--- a/DesignDocs/Design/기획 문서/UI 지시서.pptx
+++ b/DesignDocs/Design/기획 문서/UI 지시서.pptx
@@ -252,7 +252,7 @@
           <a:p>
             <a:fld id="{1CC8A9DF-C6D8-4192-835F-BD443C7B72B3}" type="datetimeFigureOut">
               <a:rPr lang="ko-KR" altLang="en-US" smtClean="0"/>
-              <a:t>2018-08-02</a:t>
+              <a:t>2018-08-07</a:t>
             </a:fld>
             <a:endParaRPr lang="ko-KR" altLang="en-US"/>
           </a:p>
@@ -422,7 +422,7 @@
           <a:p>
             <a:fld id="{1CC8A9DF-C6D8-4192-835F-BD443C7B72B3}" type="datetimeFigureOut">
               <a:rPr lang="ko-KR" altLang="en-US" smtClean="0"/>
-              <a:t>2018-08-02</a:t>
+              <a:t>2018-08-07</a:t>
             </a:fld>
             <a:endParaRPr lang="ko-KR" altLang="en-US"/>
           </a:p>
@@ -602,7 +602,7 @@
           <a:p>
             <a:fld id="{1CC8A9DF-C6D8-4192-835F-BD443C7B72B3}" type="datetimeFigureOut">
               <a:rPr lang="ko-KR" altLang="en-US" smtClean="0"/>
-              <a:t>2018-08-02</a:t>
+              <a:t>2018-08-07</a:t>
             </a:fld>
             <a:endParaRPr lang="ko-KR" altLang="en-US"/>
           </a:p>
@@ -772,7 +772,7 @@
           <a:p>
             <a:fld id="{1CC8A9DF-C6D8-4192-835F-BD443C7B72B3}" type="datetimeFigureOut">
               <a:rPr lang="ko-KR" altLang="en-US" smtClean="0"/>
-              <a:t>2018-08-02</a:t>
+              <a:t>2018-08-07</a:t>
             </a:fld>
             <a:endParaRPr lang="ko-KR" altLang="en-US"/>
           </a:p>
@@ -1018,7 +1018,7 @@
           <a:p>
             <a:fld id="{1CC8A9DF-C6D8-4192-835F-BD443C7B72B3}" type="datetimeFigureOut">
               <a:rPr lang="ko-KR" altLang="en-US" smtClean="0"/>
-              <a:t>2018-08-02</a:t>
+              <a:t>2018-08-07</a:t>
             </a:fld>
             <a:endParaRPr lang="ko-KR" altLang="en-US"/>
           </a:p>
@@ -1250,7 +1250,7 @@
           <a:p>
             <a:fld id="{1CC8A9DF-C6D8-4192-835F-BD443C7B72B3}" type="datetimeFigureOut">
               <a:rPr lang="ko-KR" altLang="en-US" smtClean="0"/>
-              <a:t>2018-08-02</a:t>
+              <a:t>2018-08-07</a:t>
             </a:fld>
             <a:endParaRPr lang="ko-KR" altLang="en-US"/>
           </a:p>
@@ -1617,7 +1617,7 @@
           <a:p>
             <a:fld id="{1CC8A9DF-C6D8-4192-835F-BD443C7B72B3}" type="datetimeFigureOut">
               <a:rPr lang="ko-KR" altLang="en-US" smtClean="0"/>
-              <a:t>2018-08-02</a:t>
+              <a:t>2018-08-07</a:t>
             </a:fld>
             <a:endParaRPr lang="ko-KR" altLang="en-US"/>
           </a:p>
@@ -1735,7 +1735,7 @@
           <a:p>
             <a:fld id="{1CC8A9DF-C6D8-4192-835F-BD443C7B72B3}" type="datetimeFigureOut">
               <a:rPr lang="ko-KR" altLang="en-US" smtClean="0"/>
-              <a:t>2018-08-02</a:t>
+              <a:t>2018-08-07</a:t>
             </a:fld>
             <a:endParaRPr lang="ko-KR" altLang="en-US"/>
           </a:p>
@@ -1830,7 +1830,7 @@
           <a:p>
             <a:fld id="{1CC8A9DF-C6D8-4192-835F-BD443C7B72B3}" type="datetimeFigureOut">
               <a:rPr lang="ko-KR" altLang="en-US" smtClean="0"/>
-              <a:t>2018-08-02</a:t>
+              <a:t>2018-08-07</a:t>
             </a:fld>
             <a:endParaRPr lang="ko-KR" altLang="en-US"/>
           </a:p>
@@ -2107,7 +2107,7 @@
           <a:p>
             <a:fld id="{1CC8A9DF-C6D8-4192-835F-BD443C7B72B3}" type="datetimeFigureOut">
               <a:rPr lang="ko-KR" altLang="en-US" smtClean="0"/>
-              <a:t>2018-08-02</a:t>
+              <a:t>2018-08-07</a:t>
             </a:fld>
             <a:endParaRPr lang="ko-KR" altLang="en-US"/>
           </a:p>
@@ -2364,7 +2364,7 @@
           <a:p>
             <a:fld id="{1CC8A9DF-C6D8-4192-835F-BD443C7B72B3}" type="datetimeFigureOut">
               <a:rPr lang="ko-KR" altLang="en-US" smtClean="0"/>
-              <a:t>2018-08-02</a:t>
+              <a:t>2018-08-07</a:t>
             </a:fld>
             <a:endParaRPr lang="ko-KR" altLang="en-US"/>
           </a:p>
@@ -2577,7 +2577,7 @@
           <a:p>
             <a:fld id="{1CC8A9DF-C6D8-4192-835F-BD443C7B72B3}" type="datetimeFigureOut">
               <a:rPr lang="ko-KR" altLang="en-US" smtClean="0"/>
-              <a:t>2018-08-02</a:t>
+              <a:t>2018-08-07</a:t>
             </a:fld>
             <a:endParaRPr lang="ko-KR" altLang="en-US"/>
           </a:p>
@@ -15018,7 +15018,7 @@
         <p:spPr>
           <a:xfrm>
             <a:off x="1500501" y="5678127"/>
-            <a:ext cx="1024961" cy="369332"/>
+            <a:ext cx="2425985" cy="369332"/>
           </a:xfrm>
           <a:prstGeom prst="rect">
             <a:avLst/>
@@ -15037,7 +15037,23 @@
                   <a:schemeClr val="accent4"/>
                 </a:solidFill>
               </a:rPr>
-              <a:t>290 pixel</a:t>
+              <a:t>290 pixel (</a:t>
+            </a:r>
+            <a:r>
+              <a:rPr lang="ko-KR" altLang="en-US" dirty="0">
+                <a:solidFill>
+                  <a:schemeClr val="accent4"/>
+                </a:solidFill>
+              </a:rPr>
+              <a:t>투명도 조정</a:t>
+            </a:r>
+            <a:r>
+              <a:rPr lang="en-US" altLang="ko-KR" dirty="0">
+                <a:solidFill>
+                  <a:schemeClr val="accent4"/>
+                </a:solidFill>
+              </a:rPr>
+              <a:t>)</a:t>
             </a:r>
             <a:endParaRPr lang="ko-KR" altLang="en-US" dirty="0">
               <a:solidFill>
